--- a/MyMindNotes 기획/화면 구상 기획/design.pptx
+++ b/MyMindNotes 기획/화면 구상 기획/design.pptx
@@ -268,7 +268,7 @@
           <a:p>
             <a:fld id="{AD18E61A-BD21-4529-B765-7D6177DD587F}" type="datetimeFigureOut">
               <a:rPr lang="ko-KR" altLang="en-US" smtClean="0"/>
-              <a:t>2022-10-11</a:t>
+              <a:t>2022-11-22</a:t>
             </a:fld>
             <a:endParaRPr lang="ko-KR" altLang="en-US"/>
           </a:p>
@@ -466,7 +466,7 @@
           <a:p>
             <a:fld id="{AD18E61A-BD21-4529-B765-7D6177DD587F}" type="datetimeFigureOut">
               <a:rPr lang="ko-KR" altLang="en-US" smtClean="0"/>
-              <a:t>2022-10-11</a:t>
+              <a:t>2022-11-22</a:t>
             </a:fld>
             <a:endParaRPr lang="ko-KR" altLang="en-US"/>
           </a:p>
@@ -674,7 +674,7 @@
           <a:p>
             <a:fld id="{AD18E61A-BD21-4529-B765-7D6177DD587F}" type="datetimeFigureOut">
               <a:rPr lang="ko-KR" altLang="en-US" smtClean="0"/>
-              <a:t>2022-10-11</a:t>
+              <a:t>2022-11-22</a:t>
             </a:fld>
             <a:endParaRPr lang="ko-KR" altLang="en-US"/>
           </a:p>
@@ -872,7 +872,7 @@
           <a:p>
             <a:fld id="{AD18E61A-BD21-4529-B765-7D6177DD587F}" type="datetimeFigureOut">
               <a:rPr lang="ko-KR" altLang="en-US" smtClean="0"/>
-              <a:t>2022-10-11</a:t>
+              <a:t>2022-11-22</a:t>
             </a:fld>
             <a:endParaRPr lang="ko-KR" altLang="en-US"/>
           </a:p>
@@ -1147,7 +1147,7 @@
           <a:p>
             <a:fld id="{AD18E61A-BD21-4529-B765-7D6177DD587F}" type="datetimeFigureOut">
               <a:rPr lang="ko-KR" altLang="en-US" smtClean="0"/>
-              <a:t>2022-10-11</a:t>
+              <a:t>2022-11-22</a:t>
             </a:fld>
             <a:endParaRPr lang="ko-KR" altLang="en-US"/>
           </a:p>
@@ -1412,7 +1412,7 @@
           <a:p>
             <a:fld id="{AD18E61A-BD21-4529-B765-7D6177DD587F}" type="datetimeFigureOut">
               <a:rPr lang="ko-KR" altLang="en-US" smtClean="0"/>
-              <a:t>2022-10-11</a:t>
+              <a:t>2022-11-22</a:t>
             </a:fld>
             <a:endParaRPr lang="ko-KR" altLang="en-US"/>
           </a:p>
@@ -1824,7 +1824,7 @@
           <a:p>
             <a:fld id="{AD18E61A-BD21-4529-B765-7D6177DD587F}" type="datetimeFigureOut">
               <a:rPr lang="ko-KR" altLang="en-US" smtClean="0"/>
-              <a:t>2022-10-11</a:t>
+              <a:t>2022-11-22</a:t>
             </a:fld>
             <a:endParaRPr lang="ko-KR" altLang="en-US"/>
           </a:p>
@@ -1965,7 +1965,7 @@
           <a:p>
             <a:fld id="{AD18E61A-BD21-4529-B765-7D6177DD587F}" type="datetimeFigureOut">
               <a:rPr lang="ko-KR" altLang="en-US" smtClean="0"/>
-              <a:t>2022-10-11</a:t>
+              <a:t>2022-11-22</a:t>
             </a:fld>
             <a:endParaRPr lang="ko-KR" altLang="en-US"/>
           </a:p>
@@ -2078,7 +2078,7 @@
           <a:p>
             <a:fld id="{AD18E61A-BD21-4529-B765-7D6177DD587F}" type="datetimeFigureOut">
               <a:rPr lang="ko-KR" altLang="en-US" smtClean="0"/>
-              <a:t>2022-10-11</a:t>
+              <a:t>2022-11-22</a:t>
             </a:fld>
             <a:endParaRPr lang="ko-KR" altLang="en-US"/>
           </a:p>
@@ -2389,7 +2389,7 @@
           <a:p>
             <a:fld id="{AD18E61A-BD21-4529-B765-7D6177DD587F}" type="datetimeFigureOut">
               <a:rPr lang="ko-KR" altLang="en-US" smtClean="0"/>
-              <a:t>2022-10-11</a:t>
+              <a:t>2022-11-22</a:t>
             </a:fld>
             <a:endParaRPr lang="ko-KR" altLang="en-US"/>
           </a:p>
@@ -2677,7 +2677,7 @@
           <a:p>
             <a:fld id="{AD18E61A-BD21-4529-B765-7D6177DD587F}" type="datetimeFigureOut">
               <a:rPr lang="ko-KR" altLang="en-US" smtClean="0"/>
-              <a:t>2022-10-11</a:t>
+              <a:t>2022-11-22</a:t>
             </a:fld>
             <a:endParaRPr lang="ko-KR" altLang="en-US"/>
           </a:p>
@@ -2918,7 +2918,7 @@
           <a:p>
             <a:fld id="{AD18E61A-BD21-4529-B765-7D6177DD587F}" type="datetimeFigureOut">
               <a:rPr lang="ko-KR" altLang="en-US" smtClean="0"/>
-              <a:t>2022-10-11</a:t>
+              <a:t>2022-11-22</a:t>
             </a:fld>
             <a:endParaRPr lang="ko-KR" altLang="en-US"/>
           </a:p>
@@ -3449,7 +3449,7 @@
         </p:nvSpPr>
         <p:spPr>
           <a:xfrm>
-            <a:off x="618066" y="4234393"/>
+            <a:off x="679612" y="3742024"/>
             <a:ext cx="10515600" cy="1325563"/>
           </a:xfrm>
           <a:prstGeom prst="rect">
@@ -3543,6 +3543,67 @@
           <a:p>
             <a:pPr algn="ctr"/>
             <a:endParaRPr lang="ko-KR" altLang="en-US"/>
+          </a:p>
+        </p:txBody>
+      </p:sp>
+      <p:sp>
+        <p:nvSpPr>
+          <p:cNvPr id="4" name="제목 1">
+            <a:extLst>
+              <a:ext uri="{FF2B5EF4-FFF2-40B4-BE49-F238E27FC236}">
+                <a16:creationId xmlns:a16="http://schemas.microsoft.com/office/drawing/2014/main" id="{BC39228C-3626-A98C-2F39-930F980653BD}"/>
+              </a:ext>
+            </a:extLst>
+          </p:cNvPr>
+          <p:cNvSpPr txBox="1">
+            <a:spLocks/>
+          </p:cNvSpPr>
+          <p:nvPr/>
+        </p:nvSpPr>
+        <p:spPr>
+          <a:xfrm>
+            <a:off x="418774" y="5167312"/>
+            <a:ext cx="10515600" cy="1325563"/>
+          </a:xfrm>
+          <a:prstGeom prst="rect">
+            <a:avLst/>
+          </a:prstGeom>
+        </p:spPr>
+        <p:txBody>
+          <a:bodyPr vert="horz" lIns="91440" tIns="45720" rIns="91440" bIns="45720" rtlCol="0" anchor="ctr">
+            <a:normAutofit/>
+          </a:bodyPr>
+          <a:lstStyle>
+            <a:lvl1pPr algn="l" defTabSz="914400" rtl="0" eaLnBrk="1" latinLnBrk="1" hangingPunct="1">
+              <a:lnSpc>
+                <a:spcPct val="90000"/>
+              </a:lnSpc>
+              <a:spcBef>
+                <a:spcPct val="0"/>
+              </a:spcBef>
+              <a:buNone/>
+              <a:defRPr sz="4400" kern="1200">
+                <a:solidFill>
+                  <a:schemeClr val="tx1"/>
+                </a:solidFill>
+                <a:latin typeface="+mj-lt"/>
+                <a:ea typeface="+mj-ea"/>
+                <a:cs typeface="+mj-cs"/>
+              </a:defRPr>
+            </a:lvl1pPr>
+          </a:lstStyle>
+          <a:p>
+            <a:pPr algn="ctr"/>
+            <a:r>
+              <a:rPr lang="ko-KR" altLang="en-US" sz="7000" dirty="0">
+                <a:solidFill>
+                  <a:srgbClr val="CDAF97"/>
+                </a:solidFill>
+                <a:latin typeface="휴먼옛체" panose="02030504000101010101" pitchFamily="18" charset="-127"/>
+                <a:ea typeface="휴먼옛체" panose="02030504000101010101" pitchFamily="18" charset="-127"/>
+              </a:rPr>
+              <a:t>계정 설정</a:t>
+            </a:r>
           </a:p>
         </p:txBody>
       </p:sp>
